--- a/project_presentation-group4.pptx
+++ b/project_presentation-group4.pptx
@@ -10628,8 +10628,8 @@
         </p:nvSpPr>
         <p:spPr>
           <a:xfrm>
-            <a:off x="1007390" y="189776"/>
-            <a:ext cx="10554346" cy="1188720"/>
+            <a:off x="792480" y="189776"/>
+            <a:ext cx="10769256" cy="1188720"/>
           </a:xfrm>
         </p:spPr>
         <p:txBody>
@@ -10646,7 +10646,7 @@
                   <a:schemeClr val="tx1"/>
                 </a:solidFill>
               </a:rPr>
-              <a:t>of Customer Rating Preference</a:t>
+              <a:t>of Customer Rating Preference Analysis</a:t>
             </a:r>
           </a:p>
         </p:txBody>
@@ -12879,7 +12879,7 @@
           <a:p>
             <a:r>
               <a:rPr lang="en-US" sz="2200" b="1" dirty="0"/>
-              <a:t>Prediction 2: Customer Rating Preference</a:t>
+              <a:t>Prediction 2: Customer Rating Preference Analysis</a:t>
             </a:r>
           </a:p>
           <a:p>
@@ -16048,8 +16048,8 @@
         </p:nvSpPr>
         <p:spPr>
           <a:xfrm>
-            <a:off x="1007390" y="189776"/>
-            <a:ext cx="10554346" cy="1188720"/>
+            <a:off x="777240" y="189776"/>
+            <a:ext cx="10784496" cy="1188720"/>
           </a:xfrm>
         </p:spPr>
         <p:txBody>
@@ -16066,7 +16066,7 @@
                   <a:schemeClr val="tx1"/>
                 </a:solidFill>
               </a:rPr>
-              <a:t>of Customer Rating Preference</a:t>
+              <a:t>of Customer Rating Preference Analysis</a:t>
             </a:r>
           </a:p>
         </p:txBody>

--- a/project_presentation-group4.pptx
+++ b/project_presentation-group4.pptx
@@ -2502,7 +2502,7 @@
       <dgm:spPr/>
     </dgm:pt>
     <dgm:pt modelId="{6C7D9322-CAAD-43C0-BFFD-75F8713EB976}" type="pres">
-      <dgm:prSet presAssocID="{0355D1E9-F010-4EE1-B667-B939BE025545}" presName="descendantText" presStyleLbl="alignNode1" presStyleIdx="1" presStyleCnt="4" custLinFactNeighborY="1932">
+      <dgm:prSet presAssocID="{0355D1E9-F010-4EE1-B667-B939BE025545}" presName="descendantText" presStyleLbl="alignNode1" presStyleIdx="1" presStyleCnt="4" custLinFactNeighborY="695">
         <dgm:presLayoutVars>
           <dgm:bulletEnabled/>
         </dgm:presLayoutVars>
@@ -2527,7 +2527,7 @@
       <dgm:spPr/>
     </dgm:pt>
     <dgm:pt modelId="{F2CD8A14-5A98-4152-93C6-878A7829D02F}" type="pres">
-      <dgm:prSet presAssocID="{DFA16BC6-7A15-4112-9343-CC564998F066}" presName="descendantText" presStyleLbl="alignNode1" presStyleIdx="2" presStyleCnt="4" custLinFactNeighborX="0" custLinFactNeighborY="-690">
+      <dgm:prSet presAssocID="{DFA16BC6-7A15-4112-9343-CC564998F066}" presName="descendantText" presStyleLbl="alignNode1" presStyleIdx="2" presStyleCnt="4" custLinFactY="5678" custLinFactNeighborY="100000">
         <dgm:presLayoutVars>
           <dgm:bulletEnabled/>
         </dgm:presLayoutVars>
@@ -2552,7 +2552,7 @@
       <dgm:spPr/>
     </dgm:pt>
     <dgm:pt modelId="{58DF3D1E-4D28-43A0-9814-3634061E041F}" type="pres">
-      <dgm:prSet presAssocID="{3A07E8A9-2143-4F5A-9DD4-C950D9388F93}" presName="descendantText" presStyleLbl="alignNode1" presStyleIdx="3" presStyleCnt="4" custLinFactNeighborY="-1126">
+      <dgm:prSet presAssocID="{3A07E8A9-2143-4F5A-9DD4-C950D9388F93}" presName="descendantText" presStyleLbl="alignNode1" presStyleIdx="3" presStyleCnt="4" custLinFactY="-5453" custLinFactNeighborY="-100000">
         <dgm:presLayoutVars>
           <dgm:bulletEnabled/>
         </dgm:presLayoutVars>
@@ -4153,7 +4153,7 @@
       </dsp:nvSpPr>
       <dsp:spPr>
         <a:xfrm>
-          <a:off x="1039894" y="1310452"/>
+          <a:off x="1039894" y="1295460"/>
           <a:ext cx="4159579" cy="1211978"/>
         </a:xfrm>
         <a:prstGeom prst="rect">
@@ -4219,7 +4219,7 @@
         </a:p>
       </dsp:txBody>
       <dsp:txXfrm>
-        <a:off x="1039894" y="1310452"/>
+        <a:off x="1039894" y="1295460"/>
         <a:ext cx="4159579" cy="1211978"/>
       </dsp:txXfrm>
     </dsp:sp>
@@ -4305,7 +4305,7 @@
       </dsp:nvSpPr>
       <dsp:spPr>
         <a:xfrm>
-          <a:off x="1039894" y="2563371"/>
+          <a:off x="1039894" y="3852529"/>
           <a:ext cx="4159579" cy="1211978"/>
         </a:xfrm>
         <a:prstGeom prst="rect">
@@ -4379,7 +4379,7 @@
         </a:p>
       </dsp:txBody>
       <dsp:txXfrm>
-        <a:off x="1039894" y="2563371"/>
+        <a:off x="1039894" y="3852529"/>
         <a:ext cx="4159579" cy="1211978"/>
       </dsp:txXfrm>
     </dsp:sp>
@@ -4465,7 +4465,7 @@
       </dsp:nvSpPr>
       <dsp:spPr>
         <a:xfrm>
-          <a:off x="1039894" y="3842784"/>
+          <a:off x="1039894" y="2578363"/>
           <a:ext cx="4159579" cy="1211978"/>
         </a:xfrm>
         <a:prstGeom prst="rect">
@@ -4531,7 +4531,7 @@
         </a:p>
       </dsp:txBody>
       <dsp:txXfrm>
-        <a:off x="1039894" y="3842784"/>
+        <a:off x="1039894" y="2578363"/>
         <a:ext cx="4159579" cy="1211978"/>
       </dsp:txXfrm>
     </dsp:sp>
@@ -14956,7 +14956,7 @@
           <p:nvPr>
             <p:extLst>
               <p:ext uri="{D42A27DB-BD31-4B8C-83A1-F6EECF244321}">
-                <p14:modId xmlns:p14="http://schemas.microsoft.com/office/powerpoint/2010/main" val="302821838"/>
+                <p14:modId xmlns:p14="http://schemas.microsoft.com/office/powerpoint/2010/main" val="2669371527"/>
               </p:ext>
             </p:extLst>
           </p:nvPr>
